--- a/figures/first_plot.pptx
+++ b/figures/first_plot.pptx
@@ -209,7 +209,7 @@
           <a:p>
             <a:fld id="{D2A48B96-639E-45A3-A0BA-2464DFDB1FAA}" type="datetimeFigureOut">
               <a:rPr lang="zh-CN" altLang="en-US" smtClean="0"/>
-              <a:t>2025/4/24</a:t>
+              <a:t>2025/5/20</a:t>
             </a:fld>
             <a:endParaRPr lang="zh-CN" altLang="en-US"/>
           </a:p>
@@ -754,7 +754,7 @@
           <a:p>
             <a:fld id="{BC4AF6E1-9D43-E74D-8E5B-6DC1FA663828}" type="datetime1">
               <a:rPr lang="zh-CN" altLang="en-US" smtClean="0"/>
-              <a:t>2025/4/24</a:t>
+              <a:t>2025/5/20</a:t>
             </a:fld>
             <a:endParaRPr lang="zh-CN" altLang="en-US"/>
           </a:p>
@@ -929,7 +929,7 @@
           <a:p>
             <a:fld id="{BC4AF6E1-9D43-E74D-8E5B-6DC1FA663828}" type="datetime1">
               <a:rPr lang="zh-CN" altLang="en-US" smtClean="0"/>
-              <a:t>2025/4/24</a:t>
+              <a:t>2025/5/20</a:t>
             </a:fld>
             <a:endParaRPr lang="zh-CN" altLang="en-US"/>
           </a:p>
@@ -1114,7 +1114,7 @@
           <a:p>
             <a:fld id="{BC4AF6E1-9D43-E74D-8E5B-6DC1FA663828}" type="datetime1">
               <a:rPr lang="zh-CN" altLang="en-US" smtClean="0"/>
-              <a:t>2025/4/24</a:t>
+              <a:t>2025/5/20</a:t>
             </a:fld>
             <a:endParaRPr lang="zh-CN" altLang="en-US"/>
           </a:p>
@@ -1289,7 +1289,7 @@
           <a:p>
             <a:fld id="{BC4AF6E1-9D43-E74D-8E5B-6DC1FA663828}" type="datetime1">
               <a:rPr lang="zh-CN" altLang="en-US" smtClean="0"/>
-              <a:t>2025/4/24</a:t>
+              <a:t>2025/5/20</a:t>
             </a:fld>
             <a:endParaRPr lang="zh-CN" altLang="en-US"/>
           </a:p>
@@ -1538,7 +1538,7 @@
           <a:p>
             <a:fld id="{BC4AF6E1-9D43-E74D-8E5B-6DC1FA663828}" type="datetime1">
               <a:rPr lang="zh-CN" altLang="en-US" smtClean="0"/>
-              <a:t>2025/4/24</a:t>
+              <a:t>2025/5/20</a:t>
             </a:fld>
             <a:endParaRPr lang="zh-CN" altLang="en-US"/>
           </a:p>
@@ -1775,7 +1775,7 @@
           <a:p>
             <a:fld id="{BC4AF6E1-9D43-E74D-8E5B-6DC1FA663828}" type="datetime1">
               <a:rPr lang="zh-CN" altLang="en-US" smtClean="0"/>
-              <a:t>2025/4/24</a:t>
+              <a:t>2025/5/20</a:t>
             </a:fld>
             <a:endParaRPr lang="zh-CN" altLang="en-US"/>
           </a:p>
@@ -2147,7 +2147,7 @@
           <a:p>
             <a:fld id="{BC4AF6E1-9D43-E74D-8E5B-6DC1FA663828}" type="datetime1">
               <a:rPr lang="zh-CN" altLang="en-US" smtClean="0"/>
-              <a:t>2025/4/24</a:t>
+              <a:t>2025/5/20</a:t>
             </a:fld>
             <a:endParaRPr lang="zh-CN" altLang="en-US"/>
           </a:p>
@@ -2270,7 +2270,7 @@
           <a:p>
             <a:fld id="{BC4AF6E1-9D43-E74D-8E5B-6DC1FA663828}" type="datetime1">
               <a:rPr lang="zh-CN" altLang="en-US" smtClean="0"/>
-              <a:t>2025/4/24</a:t>
+              <a:t>2025/5/20</a:t>
             </a:fld>
             <a:endParaRPr lang="zh-CN" altLang="en-US"/>
           </a:p>
@@ -2370,7 +2370,7 @@
           <a:p>
             <a:fld id="{BC4AF6E1-9D43-E74D-8E5B-6DC1FA663828}" type="datetime1">
               <a:rPr lang="zh-CN" altLang="en-US" smtClean="0"/>
-              <a:t>2025/4/24</a:t>
+              <a:t>2025/5/20</a:t>
             </a:fld>
             <a:endParaRPr lang="zh-CN" altLang="en-US"/>
           </a:p>
@@ -2652,7 +2652,7 @@
           <a:p>
             <a:fld id="{BC4AF6E1-9D43-E74D-8E5B-6DC1FA663828}" type="datetime1">
               <a:rPr lang="zh-CN" altLang="en-US" smtClean="0"/>
-              <a:t>2025/4/24</a:t>
+              <a:t>2025/5/20</a:t>
             </a:fld>
             <a:endParaRPr lang="zh-CN" altLang="en-US"/>
           </a:p>
@@ -2914,7 +2914,7 @@
           <a:p>
             <a:fld id="{BC4AF6E1-9D43-E74D-8E5B-6DC1FA663828}" type="datetime1">
               <a:rPr lang="zh-CN" altLang="en-US" smtClean="0"/>
-              <a:t>2025/4/24</a:t>
+              <a:t>2025/5/20</a:t>
             </a:fld>
             <a:endParaRPr lang="zh-CN" altLang="en-US"/>
           </a:p>
@@ -3132,7 +3132,7 @@
           <a:p>
             <a:fld id="{BC4AF6E1-9D43-E74D-8E5B-6DC1FA663828}" type="datetime1">
               <a:rPr lang="zh-CN" altLang="en-US" smtClean="0"/>
-              <a:t>2025/4/24</a:t>
+              <a:t>2025/5/20</a:t>
             </a:fld>
             <a:endParaRPr lang="zh-CN" altLang="en-US"/>
           </a:p>
@@ -4970,7 +4970,27 @@
                 <a:latin typeface="Times New Roman" panose="02020603050405020304" pitchFamily="18" charset="0"/>
                 <a:cs typeface="Times New Roman" panose="02020603050405020304" pitchFamily="18" charset="0"/>
               </a:rPr>
-              <a:t>Alleviate</a:t>
+              <a:t>Alleviation</a:t>
+            </a:r>
+            <a:r>
+              <a:rPr lang="zh-CN" altLang="en-US" dirty="0">
+                <a:solidFill>
+                  <a:schemeClr val="tx1"/>
+                </a:solidFill>
+                <a:latin typeface="Times New Roman" panose="02020603050405020304" pitchFamily="18" charset="0"/>
+                <a:cs typeface="Times New Roman" panose="02020603050405020304" pitchFamily="18" charset="0"/>
+              </a:rPr>
+              <a:t> </a:t>
+            </a:r>
+            <a:r>
+              <a:rPr lang="en-US" altLang="zh-CN" dirty="0">
+                <a:solidFill>
+                  <a:schemeClr val="tx1"/>
+                </a:solidFill>
+                <a:latin typeface="Times New Roman" panose="02020603050405020304" pitchFamily="18" charset="0"/>
+                <a:cs typeface="Times New Roman" panose="02020603050405020304" pitchFamily="18" charset="0"/>
+              </a:rPr>
+              <a:t>of</a:t>
             </a:r>
             <a:r>
               <a:rPr lang="zh-CN" altLang="en-US" dirty="0">
